--- a/스마트폰게임프로그래밍 텀 프로젝트 기획발표.pptx
+++ b/스마트폰게임프로그래밍 텀 프로젝트 기획발표.pptx
@@ -5333,16 +5333,85 @@
           </a:p>
         </p:txBody>
       </p:sp>
+      <p:sp>
+        <p:nvSpPr>
+          <p:cNvPr id="5" name="TextBox 4"/>
+          <p:cNvSpPr txBox="1">
+            <a:spLocks/>
+          </p:cNvSpPr>
+          <p:nvPr/>
+        </p:nvSpPr>
+        <p:spPr>
+          <a:xfrm flipH="1">
+            <a:off x="9125526" y="5150503"/>
+            <a:ext cx="2050471" cy="384721"/>
+          </a:xfrm>
+          <a:prstGeom prst="rect">
+            <a:avLst/>
+          </a:prstGeom>
+          <a:noFill/>
+        </p:spPr>
+        <p:txBody>
+          <a:bodyPr wrap="square" lIns="0" tIns="0" rIns="0" bIns="0" rtlCol="0">
+            <a:spAutoFit/>
+          </a:bodyPr>
+          <a:lstStyle/>
+          <a:p>
+            <a:pPr algn="r"/>
+            <a:r>
+              <a:rPr lang="ko-KR" altLang="en-US" sz="2500" b="1" dirty="0" err="1" smtClean="0">
+                <a:solidFill>
+                  <a:schemeClr val="bg1"/>
+                </a:solidFill>
+                <a:latin typeface="HY헤드라인M" panose="02030600000101010101" pitchFamily="18" charset="-127"/>
+                <a:ea typeface="HY헤드라인M" panose="02030600000101010101" pitchFamily="18" charset="-127"/>
+                <a:cs typeface="Lato Medium" panose="020F0502020204030203" pitchFamily="34" charset="0"/>
+              </a:rPr>
+              <a:t>백도열</a:t>
+            </a:r>
+            <a:r>
+              <a:rPr lang="ko-KR" altLang="en-US" sz="2500" b="1" dirty="0">
+                <a:solidFill>
+                  <a:schemeClr val="bg1"/>
+                </a:solidFill>
+                <a:latin typeface="HY헤드라인M" panose="02030600000101010101" pitchFamily="18" charset="-127"/>
+                <a:ea typeface="HY헤드라인M" panose="02030600000101010101" pitchFamily="18" charset="-127"/>
+                <a:cs typeface="Lato Medium" panose="020F0502020204030203" pitchFamily="34" charset="0"/>
+              </a:rPr>
+              <a:t> </a:t>
+            </a:r>
+            <a:r>
+              <a:rPr lang="ko-KR" altLang="en-US" sz="2500" b="1" dirty="0" err="1" smtClean="0">
+                <a:solidFill>
+                  <a:schemeClr val="bg1"/>
+                </a:solidFill>
+                <a:latin typeface="HY헤드라인M" panose="02030600000101010101" pitchFamily="18" charset="-127"/>
+                <a:ea typeface="HY헤드라인M" panose="02030600000101010101" pitchFamily="18" charset="-127"/>
+                <a:cs typeface="Lato Medium" panose="020F0502020204030203" pitchFamily="34" charset="0"/>
+              </a:rPr>
+              <a:t>장재영</a:t>
+            </a:r>
+            <a:endParaRPr lang="en-US" altLang="ko-KR" sz="2500" b="1" dirty="0" smtClean="0">
+              <a:solidFill>
+                <a:schemeClr val="bg1"/>
+              </a:solidFill>
+              <a:latin typeface="HY헤드라인M" panose="02030600000101010101" pitchFamily="18" charset="-127"/>
+              <a:ea typeface="HY헤드라인M" panose="02030600000101010101" pitchFamily="18" charset="-127"/>
+              <a:cs typeface="Lato Medium" panose="020F0502020204030203" pitchFamily="34" charset="0"/>
+            </a:endParaRPr>
+          </a:p>
+        </p:txBody>
+      </p:sp>
     </p:spTree>
   </p:cSld>
   <p:clrMapOvr>
     <a:masterClrMapping/>
   </p:clrMapOvr>
-  <mc:AlternateContent xmlns:mc="http://schemas.openxmlformats.org/markup-compatibility/2006">
-    <mc:Choice xmlns:p14="http://schemas.microsoft.com/office/powerpoint/2010/main" Requires="p14">
+  <mc:AlternateContent xmlns:mc="http://schemas.openxmlformats.org/markup-compatibility/2006" xmlns:p14="http://schemas.microsoft.com/office/powerpoint/2010/main">
+    <mc:Choice Requires="p14">
       <p:transition p14:dur="0" advClick="0" advTm="5000"/>
     </mc:Choice>
-    <mc:Fallback>
+    <mc:Fallback xmlns="">
       <p:transition advClick="0" advTm="5000"/>
     </mc:Fallback>
   </mc:AlternateContent>
@@ -6159,14 +6228,6 @@
               </a:rPr>
               <a:t>프로그램 소개</a:t>
             </a:r>
-            <a:endParaRPr lang="ko-KR" altLang="en-US" sz="3000" b="1" dirty="0" smtClean="0">
-              <a:solidFill>
-                <a:schemeClr val="bg1"/>
-              </a:solidFill>
-              <a:latin typeface="HY헤드라인M" panose="02030600000101010101" pitchFamily="18" charset="-127"/>
-              <a:ea typeface="HY헤드라인M" panose="02030600000101010101" pitchFamily="18" charset="-127"/>
-              <a:cs typeface="Lato Medium" panose="020F0502020204030203" pitchFamily="34" charset="0"/>
-            </a:endParaRPr>
           </a:p>
         </p:txBody>
       </p:sp>
@@ -6340,11 +6401,11 @@
   <p:clrMapOvr>
     <a:masterClrMapping/>
   </p:clrMapOvr>
-  <mc:AlternateContent xmlns:mc="http://schemas.openxmlformats.org/markup-compatibility/2006">
-    <mc:Choice xmlns:p14="http://schemas.microsoft.com/office/powerpoint/2010/main" Requires="p14">
+  <mc:AlternateContent xmlns:mc="http://schemas.openxmlformats.org/markup-compatibility/2006" xmlns:p14="http://schemas.microsoft.com/office/powerpoint/2010/main">
+    <mc:Choice Requires="p14">
       <p:transition p14:dur="10" advClick="0" advTm="5000"/>
     </mc:Choice>
-    <mc:Fallback>
+    <mc:Fallback xmlns="">
       <p:transition advClick="0" advTm="5000"/>
     </mc:Fallback>
   </mc:AlternateContent>
@@ -6659,14 +6720,6 @@
               </a:rPr>
               <a:t>프로그램 소개</a:t>
             </a:r>
-            <a:endParaRPr lang="ko-KR" altLang="en-US" sz="4000" dirty="0" smtClean="0">
-              <a:solidFill>
-                <a:schemeClr val="bg1"/>
-              </a:solidFill>
-              <a:latin typeface="HY헤드라인M" panose="02030600000101010101" pitchFamily="18" charset="-127"/>
-              <a:ea typeface="HY헤드라인M" panose="02030600000101010101" pitchFamily="18" charset="-127"/>
-              <a:cs typeface="Lato Medium" panose="020F0502020204030203" pitchFamily="34" charset="0"/>
-            </a:endParaRPr>
           </a:p>
         </p:txBody>
       </p:sp>
@@ -6819,11 +6872,11 @@
   <p:clrMapOvr>
     <a:masterClrMapping/>
   </p:clrMapOvr>
-  <mc:AlternateContent xmlns:mc="http://schemas.openxmlformats.org/markup-compatibility/2006">
-    <mc:Choice xmlns:p14="http://schemas.microsoft.com/office/powerpoint/2010/main" Requires="p14">
+  <mc:AlternateContent xmlns:mc="http://schemas.openxmlformats.org/markup-compatibility/2006" xmlns:p14="http://schemas.microsoft.com/office/powerpoint/2010/main">
+    <mc:Choice Requires="p14">
       <p:transition p14:dur="0" advClick="0" advTm="5000"/>
     </mc:Choice>
-    <mc:Fallback>
+    <mc:Fallback xmlns="">
       <p:transition advClick="0" advTm="5000"/>
     </mc:Fallback>
   </mc:AlternateContent>
@@ -7344,11 +7397,11 @@
   <p:clrMapOvr>
     <a:masterClrMapping/>
   </p:clrMapOvr>
-  <mc:AlternateContent xmlns:mc="http://schemas.openxmlformats.org/markup-compatibility/2006">
-    <mc:Choice xmlns:p14="http://schemas.microsoft.com/office/powerpoint/2010/main" Requires="p14">
+  <mc:AlternateContent xmlns:mc="http://schemas.openxmlformats.org/markup-compatibility/2006" xmlns:p14="http://schemas.microsoft.com/office/powerpoint/2010/main">
+    <mc:Choice Requires="p14">
       <p:transition p14:dur="10" advClick="0" advTm="5000"/>
     </mc:Choice>
-    <mc:Fallback>
+    <mc:Fallback xmlns="">
       <p:transition advClick="0" advTm="5000"/>
     </mc:Fallback>
   </mc:AlternateContent>
@@ -8034,11 +8087,11 @@
   <p:clrMapOvr>
     <a:masterClrMapping/>
   </p:clrMapOvr>
-  <mc:AlternateContent xmlns:mc="http://schemas.openxmlformats.org/markup-compatibility/2006">
-    <mc:Choice xmlns:p14="http://schemas.microsoft.com/office/powerpoint/2010/main" Requires="p14">
+  <mc:AlternateContent xmlns:mc="http://schemas.openxmlformats.org/markup-compatibility/2006" xmlns:p14="http://schemas.microsoft.com/office/powerpoint/2010/main">
+    <mc:Choice Requires="p14">
       <p:transition p14:dur="10" advClick="0" advTm="5000"/>
     </mc:Choice>
-    <mc:Fallback>
+    <mc:Fallback xmlns="">
       <p:transition advClick="0" advTm="5000"/>
     </mc:Fallback>
   </mc:AlternateContent>
@@ -9432,8 +9485,8 @@
         </p:blipFill>
         <p:spPr>
           <a:xfrm>
-            <a:off x="104539" y="320948"/>
-            <a:ext cx="8420335" cy="6344143"/>
+            <a:off x="136045" y="295988"/>
+            <a:ext cx="8360400" cy="6298986"/>
           </a:xfrm>
           <a:prstGeom prst="rect">
             <a:avLst/>
@@ -9448,7 +9501,7 @@
         </p:nvSpPr>
         <p:spPr>
           <a:xfrm>
-            <a:off x="6200241" y="1906598"/>
+            <a:off x="6200241" y="1381622"/>
             <a:ext cx="5717309" cy="3077766"/>
           </a:xfrm>
           <a:prstGeom prst="rect">
@@ -9609,11 +9662,11 @@
   <p:clrMapOvr>
     <a:masterClrMapping/>
   </p:clrMapOvr>
-  <mc:AlternateContent xmlns:mc="http://schemas.openxmlformats.org/markup-compatibility/2006">
-    <mc:Choice xmlns:p14="http://schemas.microsoft.com/office/powerpoint/2010/main" Requires="p14">
+  <mc:AlternateContent xmlns:mc="http://schemas.openxmlformats.org/markup-compatibility/2006" xmlns:p14="http://schemas.microsoft.com/office/powerpoint/2010/main">
+    <mc:Choice Requires="p14">
       <p:transition p14:dur="10" advClick="0" advTm="5000"/>
     </mc:Choice>
-    <mc:Fallback>
+    <mc:Fallback xmlns="">
       <p:transition advClick="0" advTm="5000"/>
     </mc:Fallback>
   </mc:AlternateContent>
@@ -10965,14 +11018,6 @@
               </a:rPr>
               <a:t>기상청 정보 </a:t>
             </a:r>
-            <a:endParaRPr lang="ko-KR" altLang="en-US" b="1" dirty="0" smtClean="0">
-              <a:solidFill>
-                <a:schemeClr val="bg1"/>
-              </a:solidFill>
-              <a:latin typeface="HY헤드라인M" panose="02030600000101010101" pitchFamily="18" charset="-127"/>
-              <a:ea typeface="HY헤드라인M" panose="02030600000101010101" pitchFamily="18" charset="-127"/>
-              <a:cs typeface="Lato Medium" panose="020F0502020204030203" pitchFamily="34" charset="0"/>
-            </a:endParaRPr>
           </a:p>
         </p:txBody>
       </p:sp>
@@ -11169,14 +11214,6 @@
               </a:rPr>
               <a:t>관광정보 데이터</a:t>
             </a:r>
-            <a:endParaRPr lang="ko-KR" altLang="en-US" b="1" dirty="0" smtClean="0">
-              <a:solidFill>
-                <a:schemeClr val="bg1"/>
-              </a:solidFill>
-              <a:latin typeface="HY헤드라인M" panose="02030600000101010101" pitchFamily="18" charset="-127"/>
-              <a:ea typeface="HY헤드라인M" panose="02030600000101010101" pitchFamily="18" charset="-127"/>
-              <a:cs typeface="Lato Medium" panose="020F0502020204030203" pitchFamily="34" charset="0"/>
-            </a:endParaRPr>
           </a:p>
         </p:txBody>
       </p:sp>
@@ -11309,11 +11346,11 @@
   <p:clrMapOvr>
     <a:masterClrMapping/>
   </p:clrMapOvr>
-  <mc:AlternateContent xmlns:mc="http://schemas.openxmlformats.org/markup-compatibility/2006">
-    <mc:Choice xmlns:p14="http://schemas.microsoft.com/office/powerpoint/2010/main" Requires="p14">
+  <mc:AlternateContent xmlns:mc="http://schemas.openxmlformats.org/markup-compatibility/2006" xmlns:p14="http://schemas.microsoft.com/office/powerpoint/2010/main">
+    <mc:Choice Requires="p14">
       <p:transition p14:dur="10" advClick="0" advTm="5000"/>
     </mc:Choice>
-    <mc:Fallback>
+    <mc:Fallback xmlns="">
       <p:transition advClick="0" advTm="5000"/>
     </mc:Fallback>
   </mc:AlternateContent>
@@ -11569,6 +11606,633 @@
           </a:p>
         </p:txBody>
       </p:sp>
+      <p:graphicFrame>
+        <p:nvGraphicFramePr>
+          <p:cNvPr id="4" name="표 3"/>
+          <p:cNvGraphicFramePr>
+            <a:graphicFrameLocks noGrp="1"/>
+          </p:cNvGraphicFramePr>
+          <p:nvPr>
+            <p:extLst>
+              <p:ext uri="{D42A27DB-BD31-4B8C-83A1-F6EECF244321}">
+                <p14:modId xmlns:p14="http://schemas.microsoft.com/office/powerpoint/2010/main" val="1093441221"/>
+              </p:ext>
+            </p:extLst>
+          </p:nvPr>
+        </p:nvGraphicFramePr>
+        <p:xfrm>
+          <a:off x="196560" y="1327454"/>
+          <a:ext cx="11637886" cy="5128719"/>
+        </p:xfrm>
+        <a:graphic>
+          <a:graphicData uri="http://schemas.openxmlformats.org/drawingml/2006/table">
+            <a:tbl>
+              <a:tblPr firstRow="1" bandRow="1">
+                <a:tableStyleId>{8799B23B-EC83-4686-B30A-512413B5E67A}</a:tableStyleId>
+              </a:tblPr>
+              <a:tblGrid>
+                <a:gridCol w="5818943">
+                  <a:extLst>
+                    <a:ext uri="{9D8B030D-6E8A-4147-A177-3AD203B41FA5}">
+                      <a16:colId xmlns:a16="http://schemas.microsoft.com/office/drawing/2014/main" val="2695501371"/>
+                    </a:ext>
+                  </a:extLst>
+                </a:gridCol>
+                <a:gridCol w="5818943">
+                  <a:extLst>
+                    <a:ext uri="{9D8B030D-6E8A-4147-A177-3AD203B41FA5}">
+                      <a16:colId xmlns:a16="http://schemas.microsoft.com/office/drawing/2014/main" val="1532226821"/>
+                    </a:ext>
+                  </a:extLst>
+                </a:gridCol>
+              </a:tblGrid>
+              <a:tr h="422215">
+                <a:tc>
+                  <a:txBody>
+                    <a:bodyPr/>
+                    <a:lstStyle/>
+                    <a:p>
+                      <a:pPr algn="ctr" latinLnBrk="1"/>
+                      <a:r>
+                        <a:rPr lang="ko-KR" altLang="en-US" dirty="0" smtClean="0">
+                          <a:solidFill>
+                            <a:schemeClr val="bg1"/>
+                          </a:solidFill>
+                        </a:rPr>
+                        <a:t>일정</a:t>
+                      </a:r>
+                      <a:endParaRPr lang="ko-KR" altLang="en-US" dirty="0">
+                        <a:solidFill>
+                          <a:schemeClr val="bg1"/>
+                        </a:solidFill>
+                      </a:endParaRPr>
+                    </a:p>
+                  </a:txBody>
+                  <a:tcPr anchor="ctr"/>
+                </a:tc>
+                <a:tc>
+                  <a:txBody>
+                    <a:bodyPr/>
+                    <a:lstStyle/>
+                    <a:p>
+                      <a:pPr algn="ctr" latinLnBrk="1"/>
+                      <a:r>
+                        <a:rPr lang="ko-KR" altLang="en-US" dirty="0" smtClean="0">
+                          <a:solidFill>
+                            <a:schemeClr val="bg1"/>
+                          </a:solidFill>
+                        </a:rPr>
+                        <a:t>내용</a:t>
+                      </a:r>
+                      <a:endParaRPr lang="ko-KR" altLang="en-US" dirty="0">
+                        <a:solidFill>
+                          <a:schemeClr val="bg1"/>
+                        </a:solidFill>
+                      </a:endParaRPr>
+                    </a:p>
+                  </a:txBody>
+                  <a:tcPr anchor="ctr"/>
+                </a:tc>
+                <a:extLst>
+                  <a:ext uri="{0D108BD9-81ED-4DB2-BD59-A6C34878D82A}">
+                    <a16:rowId xmlns:a16="http://schemas.microsoft.com/office/drawing/2014/main" val="974395128"/>
+                  </a:ext>
+                </a:extLst>
+              </a:tr>
+              <a:tr h="689581">
+                <a:tc>
+                  <a:txBody>
+                    <a:bodyPr/>
+                    <a:lstStyle/>
+                    <a:p>
+                      <a:pPr algn="ctr" latinLnBrk="1"/>
+                      <a:r>
+                        <a:rPr lang="en-US" altLang="ko-KR" dirty="0" smtClean="0">
+                          <a:solidFill>
+                            <a:schemeClr val="bg1"/>
+                          </a:solidFill>
+                          <a:latin typeface="HY헤드라인M" panose="02030600000101010101" pitchFamily="18" charset="-127"/>
+                          <a:ea typeface="HY헤드라인M" panose="02030600000101010101" pitchFamily="18" charset="-127"/>
+                        </a:rPr>
+                        <a:t>1</a:t>
+                      </a:r>
+                      <a:r>
+                        <a:rPr lang="ko-KR" altLang="en-US" dirty="0" smtClean="0">
+                          <a:solidFill>
+                            <a:schemeClr val="bg1"/>
+                          </a:solidFill>
+                          <a:latin typeface="HY헤드라인M" panose="02030600000101010101" pitchFamily="18" charset="-127"/>
+                          <a:ea typeface="HY헤드라인M" panose="02030600000101010101" pitchFamily="18" charset="-127"/>
+                        </a:rPr>
+                        <a:t>주차</a:t>
+                      </a:r>
+                      <a:endParaRPr lang="en-US" altLang="ko-KR" dirty="0" smtClean="0">
+                        <a:solidFill>
+                          <a:schemeClr val="bg1"/>
+                        </a:solidFill>
+                        <a:latin typeface="HY헤드라인M" panose="02030600000101010101" pitchFamily="18" charset="-127"/>
+                        <a:ea typeface="HY헤드라인M" panose="02030600000101010101" pitchFamily="18" charset="-127"/>
+                      </a:endParaRPr>
+                    </a:p>
+                  </a:txBody>
+                  <a:tcPr anchor="ctr"/>
+                </a:tc>
+                <a:tc>
+                  <a:txBody>
+                    <a:bodyPr/>
+                    <a:lstStyle/>
+                    <a:p>
+                      <a:pPr marL="0" marR="0" indent="0" algn="ctr" defTabSz="914400" rtl="0" eaLnBrk="1" fontAlgn="auto" latinLnBrk="1" hangingPunct="1">
+                        <a:lnSpc>
+                          <a:spcPct val="100000"/>
+                        </a:lnSpc>
+                        <a:spcBef>
+                          <a:spcPts val="0"/>
+                        </a:spcBef>
+                        <a:spcAft>
+                          <a:spcPts val="0"/>
+                        </a:spcAft>
+                        <a:buClrTx/>
+                        <a:buSzTx/>
+                        <a:buFontTx/>
+                        <a:buNone/>
+                        <a:tabLst/>
+                        <a:defRPr/>
+                      </a:pPr>
+                      <a:r>
+                        <a:rPr lang="ko-KR" altLang="en-US" dirty="0" smtClean="0">
+                          <a:solidFill>
+                            <a:schemeClr val="bg1"/>
+                          </a:solidFill>
+                          <a:latin typeface="HY헤드라인M" panose="02030600000101010101" pitchFamily="18" charset="-127"/>
+                          <a:ea typeface="HY헤드라인M" panose="02030600000101010101" pitchFamily="18" charset="-127"/>
+                        </a:rPr>
+                        <a:t>간단한 </a:t>
+                      </a:r>
+                      <a:r>
+                        <a:rPr lang="en-US" altLang="ko-KR" dirty="0" smtClean="0">
+                          <a:solidFill>
+                            <a:schemeClr val="bg1"/>
+                          </a:solidFill>
+                          <a:latin typeface="HY헤드라인M" panose="02030600000101010101" pitchFamily="18" charset="-127"/>
+                          <a:ea typeface="HY헤드라인M" panose="02030600000101010101" pitchFamily="18" charset="-127"/>
+                        </a:rPr>
+                        <a:t>UI </a:t>
+                      </a:r>
+                      <a:r>
+                        <a:rPr lang="ko-KR" altLang="en-US" dirty="0" smtClean="0">
+                          <a:solidFill>
+                            <a:schemeClr val="bg1"/>
+                          </a:solidFill>
+                          <a:latin typeface="HY헤드라인M" panose="02030600000101010101" pitchFamily="18" charset="-127"/>
+                          <a:ea typeface="HY헤드라인M" panose="02030600000101010101" pitchFamily="18" charset="-127"/>
+                        </a:rPr>
+                        <a:t>구현 </a:t>
+                      </a:r>
+                      <a:r>
+                        <a:rPr lang="en-US" altLang="ko-KR" dirty="0" smtClean="0">
+                          <a:solidFill>
+                            <a:schemeClr val="bg1"/>
+                          </a:solidFill>
+                          <a:latin typeface="HY헤드라인M" panose="02030600000101010101" pitchFamily="18" charset="-127"/>
+                          <a:ea typeface="HY헤드라인M" panose="02030600000101010101" pitchFamily="18" charset="-127"/>
+                        </a:rPr>
+                        <a:t>, API </a:t>
+                      </a:r>
+                      <a:r>
+                        <a:rPr lang="ko-KR" altLang="en-US" dirty="0" smtClean="0">
+                          <a:solidFill>
+                            <a:schemeClr val="bg1"/>
+                          </a:solidFill>
+                          <a:latin typeface="HY헤드라인M" panose="02030600000101010101" pitchFamily="18" charset="-127"/>
+                          <a:ea typeface="HY헤드라인M" panose="02030600000101010101" pitchFamily="18" charset="-127"/>
+                        </a:rPr>
+                        <a:t>연결</a:t>
+                      </a:r>
+                      <a:endParaRPr lang="ko-KR" altLang="en-US" dirty="0" smtClean="0">
+                        <a:solidFill>
+                          <a:schemeClr val="bg1"/>
+                        </a:solidFill>
+                        <a:latin typeface="HY헤드라인M" panose="02030600000101010101" pitchFamily="18" charset="-127"/>
+                        <a:ea typeface="HY헤드라인M" panose="02030600000101010101" pitchFamily="18" charset="-127"/>
+                        <a:cs typeface="Lato Medium" panose="020F0502020204030203" pitchFamily="34" charset="0"/>
+                      </a:endParaRPr>
+                    </a:p>
+                  </a:txBody>
+                  <a:tcPr anchor="ctr"/>
+                </a:tc>
+                <a:extLst>
+                  <a:ext uri="{0D108BD9-81ED-4DB2-BD59-A6C34878D82A}">
+                    <a16:rowId xmlns:a16="http://schemas.microsoft.com/office/drawing/2014/main" val="1634237047"/>
+                  </a:ext>
+                </a:extLst>
+              </a:tr>
+              <a:tr h="1227826">
+                <a:tc>
+                  <a:txBody>
+                    <a:bodyPr/>
+                    <a:lstStyle/>
+                    <a:p>
+                      <a:pPr algn="ctr" latinLnBrk="1"/>
+                      <a:r>
+                        <a:rPr lang="en-US" altLang="ko-KR" dirty="0" smtClean="0">
+                          <a:solidFill>
+                            <a:schemeClr val="bg1"/>
+                          </a:solidFill>
+                          <a:latin typeface="HY헤드라인M" panose="02030600000101010101" pitchFamily="18" charset="-127"/>
+                          <a:ea typeface="HY헤드라인M" panose="02030600000101010101" pitchFamily="18" charset="-127"/>
+                        </a:rPr>
+                        <a:t>2</a:t>
+                      </a:r>
+                      <a:r>
+                        <a:rPr lang="ko-KR" altLang="en-US" dirty="0" smtClean="0">
+                          <a:solidFill>
+                            <a:schemeClr val="bg1"/>
+                          </a:solidFill>
+                          <a:latin typeface="HY헤드라인M" panose="02030600000101010101" pitchFamily="18" charset="-127"/>
+                          <a:ea typeface="HY헤드라인M" panose="02030600000101010101" pitchFamily="18" charset="-127"/>
+                        </a:rPr>
+                        <a:t>주차</a:t>
+                      </a:r>
+                      <a:endParaRPr lang="ko-KR" altLang="en-US" dirty="0">
+                        <a:solidFill>
+                          <a:schemeClr val="bg1"/>
+                        </a:solidFill>
+                        <a:latin typeface="HY헤드라인M" panose="02030600000101010101" pitchFamily="18" charset="-127"/>
+                        <a:ea typeface="HY헤드라인M" panose="02030600000101010101" pitchFamily="18" charset="-127"/>
+                      </a:endParaRPr>
+                    </a:p>
+                  </a:txBody>
+                  <a:tcPr anchor="ctr"/>
+                </a:tc>
+                <a:tc>
+                  <a:txBody>
+                    <a:bodyPr/>
+                    <a:lstStyle/>
+                    <a:p>
+                      <a:pPr marL="0" marR="0" indent="0" algn="ctr" defTabSz="914400" rtl="0" eaLnBrk="1" fontAlgn="auto" latinLnBrk="1" hangingPunct="1">
+                        <a:lnSpc>
+                          <a:spcPct val="100000"/>
+                        </a:lnSpc>
+                        <a:spcBef>
+                          <a:spcPts val="0"/>
+                        </a:spcBef>
+                        <a:spcAft>
+                          <a:spcPts val="0"/>
+                        </a:spcAft>
+                        <a:buClrTx/>
+                        <a:buSzTx/>
+                        <a:buFontTx/>
+                        <a:buNone/>
+                        <a:tabLst/>
+                        <a:defRPr/>
+                      </a:pPr>
+                      <a:r>
+                        <a:rPr lang="ko-KR" altLang="en-US" dirty="0" smtClean="0">
+                          <a:solidFill>
+                            <a:schemeClr val="bg1"/>
+                          </a:solidFill>
+                          <a:latin typeface="HY헤드라인M" panose="02030600000101010101" pitchFamily="18" charset="-127"/>
+                          <a:ea typeface="HY헤드라인M" panose="02030600000101010101" pitchFamily="18" charset="-127"/>
+                        </a:rPr>
+                        <a:t>지역 정보 입력 기능 및 관광지 정보 검색 기능 구현 </a:t>
+                      </a:r>
+                      <a:r>
+                        <a:rPr lang="en-US" altLang="ko-KR" dirty="0" smtClean="0">
+                          <a:solidFill>
+                            <a:schemeClr val="bg1"/>
+                          </a:solidFill>
+                          <a:latin typeface="HY헤드라인M" panose="02030600000101010101" pitchFamily="18" charset="-127"/>
+                          <a:ea typeface="HY헤드라인M" panose="02030600000101010101" pitchFamily="18" charset="-127"/>
+                        </a:rPr>
+                        <a:t>( </a:t>
+                      </a:r>
+                      <a:r>
+                        <a:rPr lang="ko-KR" altLang="en-US" dirty="0" smtClean="0">
+                          <a:solidFill>
+                            <a:schemeClr val="bg1"/>
+                          </a:solidFill>
+                          <a:latin typeface="HY헤드라인M" panose="02030600000101010101" pitchFamily="18" charset="-127"/>
+                          <a:ea typeface="HY헤드라인M" panose="02030600000101010101" pitchFamily="18" charset="-127"/>
+                        </a:rPr>
+                        <a:t>음성인식 포함 </a:t>
+                      </a:r>
+                      <a:r>
+                        <a:rPr lang="en-US" altLang="ko-KR" dirty="0" smtClean="0">
+                          <a:solidFill>
+                            <a:schemeClr val="bg1"/>
+                          </a:solidFill>
+                          <a:latin typeface="HY헤드라인M" panose="02030600000101010101" pitchFamily="18" charset="-127"/>
+                          <a:ea typeface="HY헤드라인M" panose="02030600000101010101" pitchFamily="18" charset="-127"/>
+                        </a:rPr>
+                        <a:t>) </a:t>
+                      </a:r>
+                      <a:endParaRPr lang="ko-KR" altLang="en-US" dirty="0" smtClean="0">
+                        <a:solidFill>
+                          <a:schemeClr val="bg1"/>
+                        </a:solidFill>
+                        <a:latin typeface="HY헤드라인M" panose="02030600000101010101" pitchFamily="18" charset="-127"/>
+                        <a:ea typeface="HY헤드라인M" panose="02030600000101010101" pitchFamily="18" charset="-127"/>
+                        <a:cs typeface="Lato Medium" panose="020F0502020204030203" pitchFamily="34" charset="0"/>
+                      </a:endParaRPr>
+                    </a:p>
+                  </a:txBody>
+                  <a:tcPr anchor="ctr"/>
+                </a:tc>
+                <a:extLst>
+                  <a:ext uri="{0D108BD9-81ED-4DB2-BD59-A6C34878D82A}">
+                    <a16:rowId xmlns:a16="http://schemas.microsoft.com/office/drawing/2014/main" val="2142917654"/>
+                  </a:ext>
+                </a:extLst>
+              </a:tr>
+              <a:tr h="1260755">
+                <a:tc>
+                  <a:txBody>
+                    <a:bodyPr/>
+                    <a:lstStyle/>
+                    <a:p>
+                      <a:pPr algn="ctr" latinLnBrk="1"/>
+                      <a:r>
+                        <a:rPr lang="en-US" altLang="ko-KR" dirty="0" smtClean="0">
+                          <a:solidFill>
+                            <a:schemeClr val="bg1"/>
+                          </a:solidFill>
+                          <a:latin typeface="HY헤드라인M" panose="02030600000101010101" pitchFamily="18" charset="-127"/>
+                          <a:ea typeface="HY헤드라인M" panose="02030600000101010101" pitchFamily="18" charset="-127"/>
+                        </a:rPr>
+                        <a:t>3</a:t>
+                      </a:r>
+                      <a:r>
+                        <a:rPr lang="ko-KR" altLang="en-US" dirty="0" smtClean="0">
+                          <a:solidFill>
+                            <a:schemeClr val="bg1"/>
+                          </a:solidFill>
+                          <a:latin typeface="HY헤드라인M" panose="02030600000101010101" pitchFamily="18" charset="-127"/>
+                          <a:ea typeface="HY헤드라인M" panose="02030600000101010101" pitchFamily="18" charset="-127"/>
+                        </a:rPr>
+                        <a:t>주차</a:t>
+                      </a:r>
+                      <a:endParaRPr lang="ko-KR" altLang="en-US" dirty="0">
+                        <a:solidFill>
+                          <a:schemeClr val="bg1"/>
+                        </a:solidFill>
+                        <a:latin typeface="HY헤드라인M" panose="02030600000101010101" pitchFamily="18" charset="-127"/>
+                        <a:ea typeface="HY헤드라인M" panose="02030600000101010101" pitchFamily="18" charset="-127"/>
+                      </a:endParaRPr>
+                    </a:p>
+                  </a:txBody>
+                  <a:tcPr anchor="ctr"/>
+                </a:tc>
+                <a:tc>
+                  <a:txBody>
+                    <a:bodyPr/>
+                    <a:lstStyle/>
+                    <a:p>
+                      <a:pPr marL="0" marR="0" indent="0" algn="ctr" defTabSz="914400" rtl="0" eaLnBrk="1" fontAlgn="auto" latinLnBrk="1" hangingPunct="1">
+                        <a:lnSpc>
+                          <a:spcPct val="100000"/>
+                        </a:lnSpc>
+                        <a:spcBef>
+                          <a:spcPts val="0"/>
+                        </a:spcBef>
+                        <a:spcAft>
+                          <a:spcPts val="0"/>
+                        </a:spcAft>
+                        <a:buClrTx/>
+                        <a:buSzTx/>
+                        <a:buFontTx/>
+                        <a:buNone/>
+                        <a:tabLst/>
+                        <a:defRPr/>
+                      </a:pPr>
+                      <a:r>
+                        <a:rPr lang="ko-KR" altLang="en-US" dirty="0" smtClean="0">
+                          <a:solidFill>
+                            <a:schemeClr val="bg1"/>
+                          </a:solidFill>
+                          <a:latin typeface="HY헤드라인M" panose="02030600000101010101" pitchFamily="18" charset="-127"/>
+                          <a:ea typeface="HY헤드라인M" panose="02030600000101010101" pitchFamily="18" charset="-127"/>
+                        </a:rPr>
+                        <a:t>지도 기능을 이용한 관광지 위치 확인 기능 및 숙박시설 검색 기능 구현</a:t>
+                      </a:r>
+                      <a:endParaRPr lang="ko-KR" altLang="en-US" dirty="0" smtClean="0">
+                        <a:solidFill>
+                          <a:schemeClr val="bg1"/>
+                        </a:solidFill>
+                        <a:latin typeface="HY헤드라인M" panose="02030600000101010101" pitchFamily="18" charset="-127"/>
+                        <a:ea typeface="HY헤드라인M" panose="02030600000101010101" pitchFamily="18" charset="-127"/>
+                        <a:cs typeface="Lato Medium" panose="020F0502020204030203" pitchFamily="34" charset="0"/>
+                      </a:endParaRPr>
+                    </a:p>
+                  </a:txBody>
+                  <a:tcPr anchor="ctr"/>
+                </a:tc>
+                <a:extLst>
+                  <a:ext uri="{0D108BD9-81ED-4DB2-BD59-A6C34878D82A}">
+                    <a16:rowId xmlns:a16="http://schemas.microsoft.com/office/drawing/2014/main" val="3260586684"/>
+                  </a:ext>
+                </a:extLst>
+              </a:tr>
+              <a:tr h="809872">
+                <a:tc>
+                  <a:txBody>
+                    <a:bodyPr/>
+                    <a:lstStyle/>
+                    <a:p>
+                      <a:pPr algn="ctr" latinLnBrk="1"/>
+                      <a:r>
+                        <a:rPr lang="en-US" altLang="ko-KR" dirty="0" smtClean="0">
+                          <a:solidFill>
+                            <a:schemeClr val="bg1"/>
+                          </a:solidFill>
+                          <a:latin typeface="HY헤드라인M" panose="02030600000101010101" pitchFamily="18" charset="-127"/>
+                          <a:ea typeface="HY헤드라인M" panose="02030600000101010101" pitchFamily="18" charset="-127"/>
+                        </a:rPr>
+                        <a:t>4</a:t>
+                      </a:r>
+                      <a:r>
+                        <a:rPr lang="ko-KR" altLang="en-US" dirty="0" smtClean="0">
+                          <a:solidFill>
+                            <a:schemeClr val="bg1"/>
+                          </a:solidFill>
+                          <a:latin typeface="HY헤드라인M" panose="02030600000101010101" pitchFamily="18" charset="-127"/>
+                          <a:ea typeface="HY헤드라인M" panose="02030600000101010101" pitchFamily="18" charset="-127"/>
+                        </a:rPr>
+                        <a:t>주차</a:t>
+                      </a:r>
+                      <a:endParaRPr lang="ko-KR" altLang="en-US" dirty="0">
+                        <a:solidFill>
+                          <a:schemeClr val="bg1"/>
+                        </a:solidFill>
+                        <a:latin typeface="HY헤드라인M" panose="02030600000101010101" pitchFamily="18" charset="-127"/>
+                        <a:ea typeface="HY헤드라인M" panose="02030600000101010101" pitchFamily="18" charset="-127"/>
+                      </a:endParaRPr>
+                    </a:p>
+                  </a:txBody>
+                  <a:tcPr anchor="ctr"/>
+                </a:tc>
+                <a:tc>
+                  <a:txBody>
+                    <a:bodyPr/>
+                    <a:lstStyle/>
+                    <a:p>
+                      <a:pPr marL="0" marR="0" indent="0" algn="ctr" defTabSz="914400" rtl="0" eaLnBrk="1" fontAlgn="auto" latinLnBrk="1" hangingPunct="1">
+                        <a:lnSpc>
+                          <a:spcPct val="100000"/>
+                        </a:lnSpc>
+                        <a:spcBef>
+                          <a:spcPts val="0"/>
+                        </a:spcBef>
+                        <a:spcAft>
+                          <a:spcPts val="0"/>
+                        </a:spcAft>
+                        <a:buClrTx/>
+                        <a:buSzTx/>
+                        <a:buFontTx/>
+                        <a:buNone/>
+                        <a:tabLst/>
+                        <a:defRPr/>
+                      </a:pPr>
+                      <a:r>
+                        <a:rPr lang="ko-KR" altLang="en-US" dirty="0" smtClean="0">
+                          <a:solidFill>
+                            <a:schemeClr val="bg1"/>
+                          </a:solidFill>
+                          <a:latin typeface="HY헤드라인M" panose="02030600000101010101" pitchFamily="18" charset="-127"/>
+                          <a:ea typeface="HY헤드라인M" panose="02030600000101010101" pitchFamily="18" charset="-127"/>
+                        </a:rPr>
+                        <a:t>날씨 기능 구현</a:t>
+                      </a:r>
+                      <a:endParaRPr lang="ko-KR" altLang="en-US" dirty="0" smtClean="0">
+                        <a:solidFill>
+                          <a:schemeClr val="bg1"/>
+                        </a:solidFill>
+                        <a:latin typeface="HY헤드라인M" panose="02030600000101010101" pitchFamily="18" charset="-127"/>
+                        <a:ea typeface="HY헤드라인M" panose="02030600000101010101" pitchFamily="18" charset="-127"/>
+                        <a:cs typeface="Lato Medium" panose="020F0502020204030203" pitchFamily="34" charset="0"/>
+                      </a:endParaRPr>
+                    </a:p>
+                  </a:txBody>
+                  <a:tcPr anchor="ctr"/>
+                </a:tc>
+                <a:extLst>
+                  <a:ext uri="{0D108BD9-81ED-4DB2-BD59-A6C34878D82A}">
+                    <a16:rowId xmlns:a16="http://schemas.microsoft.com/office/drawing/2014/main" val="1632279027"/>
+                  </a:ext>
+                </a:extLst>
+              </a:tr>
+              <a:tr h="718470">
+                <a:tc>
+                  <a:txBody>
+                    <a:bodyPr/>
+                    <a:lstStyle/>
+                    <a:p>
+                      <a:pPr algn="ctr" latinLnBrk="1"/>
+                      <a:r>
+                        <a:rPr lang="en-US" altLang="ko-KR" dirty="0" smtClean="0">
+                          <a:solidFill>
+                            <a:schemeClr val="bg1"/>
+                          </a:solidFill>
+                          <a:latin typeface="HY헤드라인M" panose="02030600000101010101" pitchFamily="18" charset="-127"/>
+                          <a:ea typeface="HY헤드라인M" panose="02030600000101010101" pitchFamily="18" charset="-127"/>
+                        </a:rPr>
+                        <a:t>5</a:t>
+                      </a:r>
+                      <a:r>
+                        <a:rPr lang="ko-KR" altLang="en-US" dirty="0" smtClean="0">
+                          <a:solidFill>
+                            <a:schemeClr val="bg1"/>
+                          </a:solidFill>
+                          <a:latin typeface="HY헤드라인M" panose="02030600000101010101" pitchFamily="18" charset="-127"/>
+                          <a:ea typeface="HY헤드라인M" panose="02030600000101010101" pitchFamily="18" charset="-127"/>
+                        </a:rPr>
+                        <a:t>주차</a:t>
+                      </a:r>
+                      <a:endParaRPr lang="ko-KR" altLang="en-US" dirty="0">
+                        <a:solidFill>
+                          <a:schemeClr val="bg1"/>
+                        </a:solidFill>
+                        <a:latin typeface="HY헤드라인M" panose="02030600000101010101" pitchFamily="18" charset="-127"/>
+                        <a:ea typeface="HY헤드라인M" panose="02030600000101010101" pitchFamily="18" charset="-127"/>
+                      </a:endParaRPr>
+                    </a:p>
+                  </a:txBody>
+                  <a:tcPr anchor="ctr"/>
+                </a:tc>
+                <a:tc>
+                  <a:txBody>
+                    <a:bodyPr/>
+                    <a:lstStyle/>
+                    <a:p>
+                      <a:pPr marL="0" marR="0" indent="0" algn="ctr" defTabSz="914400" rtl="0" eaLnBrk="1" fontAlgn="auto" latinLnBrk="1" hangingPunct="1">
+                        <a:lnSpc>
+                          <a:spcPct val="100000"/>
+                        </a:lnSpc>
+                        <a:spcBef>
+                          <a:spcPts val="0"/>
+                        </a:spcBef>
+                        <a:spcAft>
+                          <a:spcPts val="0"/>
+                        </a:spcAft>
+                        <a:buClrTx/>
+                        <a:buSzTx/>
+                        <a:buFontTx/>
+                        <a:buNone/>
+                        <a:tabLst/>
+                        <a:defRPr/>
+                      </a:pPr>
+                      <a:r>
+                        <a:rPr lang="ko-KR" altLang="en-US" dirty="0" smtClean="0">
+                          <a:solidFill>
+                            <a:schemeClr val="bg1"/>
+                          </a:solidFill>
+                          <a:latin typeface="HY헤드라인M" panose="02030600000101010101" pitchFamily="18" charset="-127"/>
+                          <a:ea typeface="HY헤드라인M" panose="02030600000101010101" pitchFamily="18" charset="-127"/>
+                        </a:rPr>
+                        <a:t>미비점 보완 및 </a:t>
+                      </a:r>
+                      <a:r>
+                        <a:rPr lang="en-US" altLang="ko-KR" dirty="0" smtClean="0">
+                          <a:solidFill>
+                            <a:schemeClr val="bg1"/>
+                          </a:solidFill>
+                          <a:latin typeface="HY헤드라인M" panose="02030600000101010101" pitchFamily="18" charset="-127"/>
+                          <a:ea typeface="HY헤드라인M" panose="02030600000101010101" pitchFamily="18" charset="-127"/>
+                        </a:rPr>
+                        <a:t>UI </a:t>
+                      </a:r>
+                      <a:r>
+                        <a:rPr lang="ko-KR" altLang="en-US" dirty="0" smtClean="0">
+                          <a:solidFill>
+                            <a:schemeClr val="bg1"/>
+                          </a:solidFill>
+                          <a:latin typeface="HY헤드라인M" panose="02030600000101010101" pitchFamily="18" charset="-127"/>
+                          <a:ea typeface="HY헤드라인M" panose="02030600000101010101" pitchFamily="18" charset="-127"/>
+                        </a:rPr>
+                        <a:t>정리 및 추가 구현</a:t>
+                      </a:r>
+                      <a:endParaRPr lang="ko-KR" altLang="en-US" dirty="0" smtClean="0">
+                        <a:solidFill>
+                          <a:schemeClr val="bg1"/>
+                        </a:solidFill>
+                        <a:latin typeface="HY헤드라인M" panose="02030600000101010101" pitchFamily="18" charset="-127"/>
+                        <a:ea typeface="HY헤드라인M" panose="02030600000101010101" pitchFamily="18" charset="-127"/>
+                        <a:cs typeface="Lato Medium" panose="020F0502020204030203" pitchFamily="34" charset="0"/>
+                      </a:endParaRPr>
+                    </a:p>
+                  </a:txBody>
+                  <a:tcPr anchor="ctr"/>
+                </a:tc>
+                <a:extLst>
+                  <a:ext uri="{0D108BD9-81ED-4DB2-BD59-A6C34878D82A}">
+                    <a16:rowId xmlns:a16="http://schemas.microsoft.com/office/drawing/2014/main" val="3261371481"/>
+                  </a:ext>
+                </a:extLst>
+              </a:tr>
+            </a:tbl>
+          </a:graphicData>
+        </a:graphic>
+      </p:graphicFrame>
     </p:spTree>
     <p:extLst>
       <p:ext uri="{BB962C8B-B14F-4D97-AF65-F5344CB8AC3E}">
@@ -11579,11 +12243,11 @@
   <p:clrMapOvr>
     <a:masterClrMapping/>
   </p:clrMapOvr>
-  <mc:AlternateContent xmlns:mc="http://schemas.openxmlformats.org/markup-compatibility/2006">
-    <mc:Choice xmlns:p14="http://schemas.microsoft.com/office/powerpoint/2010/main" Requires="p14">
+  <mc:AlternateContent xmlns:mc="http://schemas.openxmlformats.org/markup-compatibility/2006" xmlns:p14="http://schemas.microsoft.com/office/powerpoint/2010/main">
+    <mc:Choice Requires="p14">
       <p:transition p14:dur="10" advClick="0" advTm="5000"/>
     </mc:Choice>
-    <mc:Fallback>
+    <mc:Fallback xmlns="">
       <p:transition advClick="0" advTm="5000"/>
     </mc:Fallback>
   </mc:AlternateContent>
